--- a/SparseVoxelOctree/CheckPoint2.pptx
+++ b/SparseVoxelOctree/CheckPoint2.pptx
@@ -264,7 +264,7 @@
           <a:p>
             <a:fld id="{B2766742-1D28-4FED-9607-C050BE5B8F5E}" type="datetimeFigureOut">
               <a:rPr lang="en-US" smtClean="0"/>
-              <a:t>10/24/2020</a:t>
+              <a:t>10/27/2020</a:t>
             </a:fld>
             <a:endParaRPr lang="en-US"/>
           </a:p>
@@ -464,7 +464,7 @@
           <a:p>
             <a:fld id="{B2766742-1D28-4FED-9607-C050BE5B8F5E}" type="datetimeFigureOut">
               <a:rPr lang="en-US" smtClean="0"/>
-              <a:t>10/24/2020</a:t>
+              <a:t>10/27/2020</a:t>
             </a:fld>
             <a:endParaRPr lang="en-US"/>
           </a:p>
@@ -674,7 +674,7 @@
           <a:p>
             <a:fld id="{B2766742-1D28-4FED-9607-C050BE5B8F5E}" type="datetimeFigureOut">
               <a:rPr lang="en-US" smtClean="0"/>
-              <a:t>10/24/2020</a:t>
+              <a:t>10/27/2020</a:t>
             </a:fld>
             <a:endParaRPr lang="en-US"/>
           </a:p>
@@ -874,7 +874,7 @@
           <a:p>
             <a:fld id="{B2766742-1D28-4FED-9607-C050BE5B8F5E}" type="datetimeFigureOut">
               <a:rPr lang="en-US" smtClean="0"/>
-              <a:t>10/24/2020</a:t>
+              <a:t>10/27/2020</a:t>
             </a:fld>
             <a:endParaRPr lang="en-US"/>
           </a:p>
@@ -1150,7 +1150,7 @@
           <a:p>
             <a:fld id="{B2766742-1D28-4FED-9607-C050BE5B8F5E}" type="datetimeFigureOut">
               <a:rPr lang="en-US" smtClean="0"/>
-              <a:t>10/24/2020</a:t>
+              <a:t>10/27/2020</a:t>
             </a:fld>
             <a:endParaRPr lang="en-US"/>
           </a:p>
@@ -1418,7 +1418,7 @@
           <a:p>
             <a:fld id="{B2766742-1D28-4FED-9607-C050BE5B8F5E}" type="datetimeFigureOut">
               <a:rPr lang="en-US" smtClean="0"/>
-              <a:t>10/24/2020</a:t>
+              <a:t>10/27/2020</a:t>
             </a:fld>
             <a:endParaRPr lang="en-US"/>
           </a:p>
@@ -1833,7 +1833,7 @@
           <a:p>
             <a:fld id="{B2766742-1D28-4FED-9607-C050BE5B8F5E}" type="datetimeFigureOut">
               <a:rPr lang="en-US" smtClean="0"/>
-              <a:t>10/24/2020</a:t>
+              <a:t>10/27/2020</a:t>
             </a:fld>
             <a:endParaRPr lang="en-US"/>
           </a:p>
@@ -1975,7 +1975,7 @@
           <a:p>
             <a:fld id="{B2766742-1D28-4FED-9607-C050BE5B8F5E}" type="datetimeFigureOut">
               <a:rPr lang="en-US" smtClean="0"/>
-              <a:t>10/24/2020</a:t>
+              <a:t>10/27/2020</a:t>
             </a:fld>
             <a:endParaRPr lang="en-US"/>
           </a:p>
@@ -2088,7 +2088,7 @@
           <a:p>
             <a:fld id="{B2766742-1D28-4FED-9607-C050BE5B8F5E}" type="datetimeFigureOut">
               <a:rPr lang="en-US" smtClean="0"/>
-              <a:t>10/24/2020</a:t>
+              <a:t>10/27/2020</a:t>
             </a:fld>
             <a:endParaRPr lang="en-US"/>
           </a:p>
@@ -2401,7 +2401,7 @@
           <a:p>
             <a:fld id="{B2766742-1D28-4FED-9607-C050BE5B8F5E}" type="datetimeFigureOut">
               <a:rPr lang="en-US" smtClean="0"/>
-              <a:t>10/24/2020</a:t>
+              <a:t>10/27/2020</a:t>
             </a:fld>
             <a:endParaRPr lang="en-US"/>
           </a:p>
@@ -2690,7 +2690,7 @@
           <a:p>
             <a:fld id="{B2766742-1D28-4FED-9607-C050BE5B8F5E}" type="datetimeFigureOut">
               <a:rPr lang="en-US" smtClean="0"/>
-              <a:t>10/24/2020</a:t>
+              <a:t>10/27/2020</a:t>
             </a:fld>
             <a:endParaRPr lang="en-US"/>
           </a:p>
@@ -2933,7 +2933,7 @@
           <a:p>
             <a:fld id="{B2766742-1D28-4FED-9607-C050BE5B8F5E}" type="datetimeFigureOut">
               <a:rPr lang="en-US" smtClean="0"/>
-              <a:t>10/24/2020</a:t>
+              <a:t>10/27/2020</a:t>
             </a:fld>
             <a:endParaRPr lang="en-US"/>
           </a:p>
@@ -5478,8 +5478,8 @@
           </a:p>
         </p:txBody>
       </p:sp>
-      <mc:AlternateContent xmlns:mc="http://schemas.openxmlformats.org/markup-compatibility/2006" xmlns:a14="http://schemas.microsoft.com/office/drawing/2010/main">
-        <mc:Choice Requires="a14">
+      <mc:AlternateContent xmlns:mc="http://schemas.openxmlformats.org/markup-compatibility/2006">
+        <mc:Choice xmlns:a14="http://schemas.microsoft.com/office/drawing/2010/main" Requires="a14">
           <p:graphicFrame>
             <p:nvGraphicFramePr>
               <p:cNvPr id="9" name="表格 10">
@@ -5496,7 +5496,7 @@
                 <p:ph idx="1"/>
                 <p:extLst>
                   <p:ext uri="{D42A27DB-BD31-4B8C-83A1-F6EECF244321}">
-                    <p14:modId xmlns:p14="http://schemas.microsoft.com/office/powerpoint/2010/main" val="2913843693"/>
+                    <p14:modId xmlns:p14="http://schemas.microsoft.com/office/powerpoint/2010/main" val="2574439776"/>
                   </p:ext>
                 </p:extLst>
               </p:nvPr>
@@ -5759,7 +5759,7 @@
                           <a:pPr algn="ctr"/>
                           <a:r>
                             <a:rPr lang="en-US" dirty="0"/>
-                            <a:t>35</a:t>
+                            <a:t>70</a:t>
                           </a:r>
                         </a:p>
                       </a:txBody>
@@ -5891,7 +5891,7 @@
             </a:graphic>
           </p:graphicFrame>
         </mc:Choice>
-        <mc:Fallback xmlns="">
+        <mc:Fallback>
           <p:graphicFrame>
             <p:nvGraphicFramePr>
               <p:cNvPr id="9" name="表格 10">
@@ -5908,7 +5908,7 @@
                 <p:ph idx="1"/>
                 <p:extLst>
                   <p:ext uri="{D42A27DB-BD31-4B8C-83A1-F6EECF244321}">
-                    <p14:modId xmlns:p14="http://schemas.microsoft.com/office/powerpoint/2010/main" val="2913843693"/>
+                    <p14:modId xmlns:p14="http://schemas.microsoft.com/office/powerpoint/2010/main" val="2574439776"/>
                   </p:ext>
                 </p:extLst>
               </p:nvPr>
@@ -6070,7 +6070,7 @@
                           <a:pPr algn="ctr"/>
                           <a:r>
                             <a:rPr lang="en-US" dirty="0"/>
-                            <a:t>35</a:t>
+                            <a:t>70</a:t>
                           </a:r>
                         </a:p>
                       </a:txBody>
@@ -6274,7 +6274,15 @@
           <a:p>
             <a:r>
               <a:rPr lang="en-US" dirty="0"/>
-              <a:t>Ray-casting performance : around 3 times faster</a:t>
+              <a:t>Ray-casting performance : </a:t>
+            </a:r>
+            <a:r>
+              <a:rPr lang="en-US"/>
+              <a:t>around 7 </a:t>
+            </a:r>
+            <a:r>
+              <a:rPr lang="en-US" dirty="0"/>
+              <a:t>times faster</a:t>
             </a:r>
           </a:p>
           <a:p>

--- a/SparseVoxelOctree/CheckPoint2.pptx
+++ b/SparseVoxelOctree/CheckPoint2.pptx
@@ -8,7 +8,8 @@
     <p:sldId id="256" r:id="rId2"/>
     <p:sldId id="259" r:id="rId3"/>
     <p:sldId id="257" r:id="rId4"/>
-    <p:sldId id="258" r:id="rId5"/>
+    <p:sldId id="260" r:id="rId5"/>
+    <p:sldId id="258" r:id="rId6"/>
   </p:sldIdLst>
   <p:sldSz cx="12192000" cy="6858000"/>
   <p:notesSz cx="6858000" cy="9144000"/>
@@ -264,7 +265,7 @@
           <a:p>
             <a:fld id="{B2766742-1D28-4FED-9607-C050BE5B8F5E}" type="datetimeFigureOut">
               <a:rPr lang="en-US" smtClean="0"/>
-              <a:t>10/27/2020</a:t>
+              <a:t>11/2/2020</a:t>
             </a:fld>
             <a:endParaRPr lang="en-US"/>
           </a:p>
@@ -464,7 +465,7 @@
           <a:p>
             <a:fld id="{B2766742-1D28-4FED-9607-C050BE5B8F5E}" type="datetimeFigureOut">
               <a:rPr lang="en-US" smtClean="0"/>
-              <a:t>10/27/2020</a:t>
+              <a:t>11/2/2020</a:t>
             </a:fld>
             <a:endParaRPr lang="en-US"/>
           </a:p>
@@ -674,7 +675,7 @@
           <a:p>
             <a:fld id="{B2766742-1D28-4FED-9607-C050BE5B8F5E}" type="datetimeFigureOut">
               <a:rPr lang="en-US" smtClean="0"/>
-              <a:t>10/27/2020</a:t>
+              <a:t>11/2/2020</a:t>
             </a:fld>
             <a:endParaRPr lang="en-US"/>
           </a:p>
@@ -874,7 +875,7 @@
           <a:p>
             <a:fld id="{B2766742-1D28-4FED-9607-C050BE5B8F5E}" type="datetimeFigureOut">
               <a:rPr lang="en-US" smtClean="0"/>
-              <a:t>10/27/2020</a:t>
+              <a:t>11/2/2020</a:t>
             </a:fld>
             <a:endParaRPr lang="en-US"/>
           </a:p>
@@ -1150,7 +1151,7 @@
           <a:p>
             <a:fld id="{B2766742-1D28-4FED-9607-C050BE5B8F5E}" type="datetimeFigureOut">
               <a:rPr lang="en-US" smtClean="0"/>
-              <a:t>10/27/2020</a:t>
+              <a:t>11/2/2020</a:t>
             </a:fld>
             <a:endParaRPr lang="en-US"/>
           </a:p>
@@ -1418,7 +1419,7 @@
           <a:p>
             <a:fld id="{B2766742-1D28-4FED-9607-C050BE5B8F5E}" type="datetimeFigureOut">
               <a:rPr lang="en-US" smtClean="0"/>
-              <a:t>10/27/2020</a:t>
+              <a:t>11/2/2020</a:t>
             </a:fld>
             <a:endParaRPr lang="en-US"/>
           </a:p>
@@ -1833,7 +1834,7 @@
           <a:p>
             <a:fld id="{B2766742-1D28-4FED-9607-C050BE5B8F5E}" type="datetimeFigureOut">
               <a:rPr lang="en-US" smtClean="0"/>
-              <a:t>10/27/2020</a:t>
+              <a:t>11/2/2020</a:t>
             </a:fld>
             <a:endParaRPr lang="en-US"/>
           </a:p>
@@ -1975,7 +1976,7 @@
           <a:p>
             <a:fld id="{B2766742-1D28-4FED-9607-C050BE5B8F5E}" type="datetimeFigureOut">
               <a:rPr lang="en-US" smtClean="0"/>
-              <a:t>10/27/2020</a:t>
+              <a:t>11/2/2020</a:t>
             </a:fld>
             <a:endParaRPr lang="en-US"/>
           </a:p>
@@ -2088,7 +2089,7 @@
           <a:p>
             <a:fld id="{B2766742-1D28-4FED-9607-C050BE5B8F5E}" type="datetimeFigureOut">
               <a:rPr lang="en-US" smtClean="0"/>
-              <a:t>10/27/2020</a:t>
+              <a:t>11/2/2020</a:t>
             </a:fld>
             <a:endParaRPr lang="en-US"/>
           </a:p>
@@ -2401,7 +2402,7 @@
           <a:p>
             <a:fld id="{B2766742-1D28-4FED-9607-C050BE5B8F5E}" type="datetimeFigureOut">
               <a:rPr lang="en-US" smtClean="0"/>
-              <a:t>10/27/2020</a:t>
+              <a:t>11/2/2020</a:t>
             </a:fld>
             <a:endParaRPr lang="en-US"/>
           </a:p>
@@ -2690,7 +2691,7 @@
           <a:p>
             <a:fld id="{B2766742-1D28-4FED-9607-C050BE5B8F5E}" type="datetimeFigureOut">
               <a:rPr lang="en-US" smtClean="0"/>
-              <a:t>10/27/2020</a:t>
+              <a:t>11/2/2020</a:t>
             </a:fld>
             <a:endParaRPr lang="en-US"/>
           </a:p>
@@ -2933,7 +2934,7 @@
           <a:p>
             <a:fld id="{B2766742-1D28-4FED-9607-C050BE5B8F5E}" type="datetimeFigureOut">
               <a:rPr lang="en-US" smtClean="0"/>
-              <a:t>10/27/2020</a:t>
+              <a:t>11/2/2020</a:t>
             </a:fld>
             <a:endParaRPr lang="en-US"/>
           </a:p>
@@ -4196,7 +4197,7 @@
           <a:p>
             <a:r>
               <a:rPr lang="en-US" sz="2600" dirty="0"/>
-              <a:t>You can actually allocate or free memory inside kernel. </a:t>
+              <a:t>You can allocate or free memory inside kernel. </a:t>
             </a:r>
           </a:p>
           <a:p>
@@ -4214,13 +4215,8 @@
             </a:r>
             <a:r>
               <a:rPr lang="en-US" sz="2600" dirty="0"/>
-              <a:t> to increase max stack size for deep recursion. The </a:t>
-            </a:r>
-            <a:r>
-              <a:rPr lang="en-US" sz="2600"/>
-              <a:t>default is 1 kb.</a:t>
-            </a:r>
-            <a:endParaRPr lang="en-US" sz="2600" dirty="0"/>
+              <a:t> to increase max stack size for deep recursion. The default is 1 kb.</a:t>
+            </a:r>
           </a:p>
         </p:txBody>
       </p:sp>
@@ -5169,6 +5165,687 @@
           <a:chExt cx="0" cy="0"/>
         </a:xfrm>
       </p:grpSpPr>
+      <p:sp useBgFill="1">
+        <p:nvSpPr>
+          <p:cNvPr id="8" name="Rectangle 7">
+            <a:extLst>
+              <a:ext uri="{FF2B5EF4-FFF2-40B4-BE49-F238E27FC236}">
+                <a16:creationId xmlns:a16="http://schemas.microsoft.com/office/drawing/2014/main" id="{76EFD3D9-44F0-4267-BCC1-1613E79D8274}"/>
+              </a:ext>
+              <a:ext uri="{C183D7F6-B498-43B3-948B-1728B52AA6E4}">
+                <adec:decorative xmlns:adec="http://schemas.microsoft.com/office/drawing/2017/decorative" val="1"/>
+              </a:ext>
+            </a:extLst>
+          </p:cNvPr>
+          <p:cNvSpPr>
+            <a:spLocks noGrp="1" noRot="1" noChangeAspect="1" noMove="1" noResize="1" noEditPoints="1" noAdjustHandles="1" noChangeArrowheads="1" noChangeShapeType="1" noTextEdit="1"/>
+          </p:cNvSpPr>
+          <p:nvPr>
+            <p:extLst>
+              <p:ext uri="{386F3935-93C4-4BCD-93E2-E3B085C9AB24}">
+                <p16:designElem xmlns:p16="http://schemas.microsoft.com/office/powerpoint/2015/main" val="1"/>
+              </p:ext>
+            </p:extLst>
+          </p:nvPr>
+        </p:nvSpPr>
+        <p:spPr>
+          <a:xfrm>
+            <a:off x="0" y="0"/>
+            <a:ext cx="12188952" cy="6858000"/>
+          </a:xfrm>
+          <a:prstGeom prst="rect">
+            <a:avLst/>
+          </a:prstGeom>
+          <a:ln>
+            <a:noFill/>
+          </a:ln>
+        </p:spPr>
+        <p:style>
+          <a:lnRef idx="2">
+            <a:schemeClr val="accent1">
+              <a:shade val="50000"/>
+            </a:schemeClr>
+          </a:lnRef>
+          <a:fillRef idx="1">
+            <a:schemeClr val="accent1"/>
+          </a:fillRef>
+          <a:effectRef idx="0">
+            <a:schemeClr val="accent1"/>
+          </a:effectRef>
+          <a:fontRef idx="minor">
+            <a:schemeClr val="lt1"/>
+          </a:fontRef>
+        </p:style>
+        <p:txBody>
+          <a:bodyPr rtlCol="0" anchor="ctr"/>
+          <a:lstStyle/>
+          <a:p>
+            <a:pPr algn="ctr"/>
+            <a:endParaRPr lang="en-US"/>
+          </a:p>
+        </p:txBody>
+      </p:sp>
+      <p:sp>
+        <p:nvSpPr>
+          <p:cNvPr id="10" name="Freeform 6">
+            <a:extLst>
+              <a:ext uri="{FF2B5EF4-FFF2-40B4-BE49-F238E27FC236}">
+                <a16:creationId xmlns:a16="http://schemas.microsoft.com/office/drawing/2014/main" id="{A779A851-95D6-41AF-937A-B0E4B7F6FA8D}"/>
+              </a:ext>
+              <a:ext uri="{C183D7F6-B498-43B3-948B-1728B52AA6E4}">
+                <adec:decorative xmlns:adec="http://schemas.microsoft.com/office/drawing/2017/decorative" val="1"/>
+              </a:ext>
+            </a:extLst>
+          </p:cNvPr>
+          <p:cNvSpPr>
+            <a:spLocks noGrp="1" noRot="1" noChangeAspect="1" noMove="1" noResize="1" noEditPoints="1" noAdjustHandles="1" noChangeArrowheads="1" noChangeShapeType="1" noTextEdit="1"/>
+          </p:cNvSpPr>
+          <p:nvPr>
+            <p:extLst>
+              <p:ext uri="{386F3935-93C4-4BCD-93E2-E3B085C9AB24}">
+                <p16:designElem xmlns:p16="http://schemas.microsoft.com/office/powerpoint/2015/main" val="1"/>
+              </p:ext>
+            </p:extLst>
+          </p:nvPr>
+        </p:nvSpPr>
+        <p:spPr bwMode="auto">
+          <a:xfrm>
+            <a:off x="4142164" y="900814"/>
+            <a:ext cx="759618" cy="5710965"/>
+          </a:xfrm>
+          <a:custGeom>
+            <a:avLst/>
+            <a:gdLst>
+              <a:gd name="T0" fmla="*/ 414 w 414"/>
+              <a:gd name="T1" fmla="*/ 2447 h 2447"/>
+              <a:gd name="T2" fmla="*/ 0 w 414"/>
+              <a:gd name="T3" fmla="*/ 2247 h 2447"/>
+              <a:gd name="T4" fmla="*/ 0 w 414"/>
+              <a:gd name="T5" fmla="*/ 0 h 2447"/>
+              <a:gd name="T6" fmla="*/ 414 w 414"/>
+              <a:gd name="T7" fmla="*/ 200 h 2447"/>
+              <a:gd name="T8" fmla="*/ 414 w 414"/>
+              <a:gd name="T9" fmla="*/ 2447 h 2447"/>
+            </a:gdLst>
+            <a:ahLst/>
+            <a:cxnLst>
+              <a:cxn ang="0">
+                <a:pos x="T0" y="T1"/>
+              </a:cxn>
+              <a:cxn ang="0">
+                <a:pos x="T2" y="T3"/>
+              </a:cxn>
+              <a:cxn ang="0">
+                <a:pos x="T4" y="T5"/>
+              </a:cxn>
+              <a:cxn ang="0">
+                <a:pos x="T6" y="T7"/>
+              </a:cxn>
+              <a:cxn ang="0">
+                <a:pos x="T8" y="T9"/>
+              </a:cxn>
+            </a:cxnLst>
+            <a:rect l="0" t="0" r="r" b="b"/>
+            <a:pathLst>
+              <a:path w="414" h="2447">
+                <a:moveTo>
+                  <a:pt x="414" y="2447"/>
+                </a:moveTo>
+                <a:lnTo>
+                  <a:pt x="0" y="2247"/>
+                </a:lnTo>
+                <a:lnTo>
+                  <a:pt x="0" y="0"/>
+                </a:lnTo>
+                <a:lnTo>
+                  <a:pt x="414" y="200"/>
+                </a:lnTo>
+                <a:lnTo>
+                  <a:pt x="414" y="2447"/>
+                </a:lnTo>
+                <a:close/>
+              </a:path>
+            </a:pathLst>
+          </a:custGeom>
+          <a:solidFill>
+            <a:schemeClr val="accent1">
+              <a:lumMod val="75000"/>
+            </a:schemeClr>
+          </a:solidFill>
+          <a:ln>
+            <a:noFill/>
+          </a:ln>
+        </p:spPr>
+        <p:txBody>
+          <a:bodyPr vert="horz" wrap="square" lIns="91440" tIns="45720" rIns="91440" bIns="45720" numCol="1" anchor="t" anchorCtr="0" compatLnSpc="1">
+            <a:prstTxWarp prst="textNoShape">
+              <a:avLst/>
+            </a:prstTxWarp>
+          </a:bodyPr>
+          <a:lstStyle/>
+          <a:p>
+            <a:endParaRPr lang="en-US"/>
+          </a:p>
+        </p:txBody>
+      </p:sp>
+      <p:sp>
+        <p:nvSpPr>
+          <p:cNvPr id="12" name="Freeform 7">
+            <a:extLst>
+              <a:ext uri="{FF2B5EF4-FFF2-40B4-BE49-F238E27FC236}">
+                <a16:creationId xmlns:a16="http://schemas.microsoft.com/office/drawing/2014/main" id="{953FB2E7-B6CB-429C-81EB-D9516D6D5C8D}"/>
+              </a:ext>
+              <a:ext uri="{C183D7F6-B498-43B3-948B-1728B52AA6E4}">
+                <adec:decorative xmlns:adec="http://schemas.microsoft.com/office/drawing/2017/decorative" val="1"/>
+              </a:ext>
+            </a:extLst>
+          </p:cNvPr>
+          <p:cNvSpPr>
+            <a:spLocks noGrp="1" noRot="1" noChangeAspect="1" noMove="1" noResize="1" noEditPoints="1" noAdjustHandles="1" noChangeArrowheads="1" noChangeShapeType="1" noTextEdit="1"/>
+          </p:cNvSpPr>
+          <p:nvPr>
+            <p:extLst>
+              <p:ext uri="{386F3935-93C4-4BCD-93E2-E3B085C9AB24}">
+                <p16:designElem xmlns:p16="http://schemas.microsoft.com/office/powerpoint/2015/main" val="1"/>
+              </p:ext>
+            </p:extLst>
+          </p:nvPr>
+        </p:nvSpPr>
+        <p:spPr bwMode="auto">
+          <a:xfrm>
+            <a:off x="4144437" y="633165"/>
+            <a:ext cx="482654" cy="5521414"/>
+          </a:xfrm>
+          <a:custGeom>
+            <a:avLst/>
+            <a:gdLst>
+              <a:gd name="T0" fmla="*/ 209 w 209"/>
+              <a:gd name="T1" fmla="*/ 2246 h 2358"/>
+              <a:gd name="T2" fmla="*/ 0 w 209"/>
+              <a:gd name="T3" fmla="*/ 2358 h 2358"/>
+              <a:gd name="T4" fmla="*/ 0 w 209"/>
+              <a:gd name="T5" fmla="*/ 111 h 2358"/>
+              <a:gd name="T6" fmla="*/ 209 w 209"/>
+              <a:gd name="T7" fmla="*/ 0 h 2358"/>
+              <a:gd name="T8" fmla="*/ 209 w 209"/>
+              <a:gd name="T9" fmla="*/ 2246 h 2358"/>
+            </a:gdLst>
+            <a:ahLst/>
+            <a:cxnLst>
+              <a:cxn ang="0">
+                <a:pos x="T0" y="T1"/>
+              </a:cxn>
+              <a:cxn ang="0">
+                <a:pos x="T2" y="T3"/>
+              </a:cxn>
+              <a:cxn ang="0">
+                <a:pos x="T4" y="T5"/>
+              </a:cxn>
+              <a:cxn ang="0">
+                <a:pos x="T6" y="T7"/>
+              </a:cxn>
+              <a:cxn ang="0">
+                <a:pos x="T8" y="T9"/>
+              </a:cxn>
+            </a:cxnLst>
+            <a:rect l="0" t="0" r="r" b="b"/>
+            <a:pathLst>
+              <a:path w="209" h="2358">
+                <a:moveTo>
+                  <a:pt x="209" y="2246"/>
+                </a:moveTo>
+                <a:lnTo>
+                  <a:pt x="0" y="2358"/>
+                </a:lnTo>
+                <a:lnTo>
+                  <a:pt x="0" y="111"/>
+                </a:lnTo>
+                <a:lnTo>
+                  <a:pt x="209" y="0"/>
+                </a:lnTo>
+                <a:lnTo>
+                  <a:pt x="209" y="2246"/>
+                </a:lnTo>
+                <a:close/>
+              </a:path>
+            </a:pathLst>
+          </a:custGeom>
+          <a:solidFill>
+            <a:schemeClr val="accent1">
+              <a:lumMod val="50000"/>
+            </a:schemeClr>
+          </a:solidFill>
+          <a:ln>
+            <a:noFill/>
+          </a:ln>
+        </p:spPr>
+        <p:txBody>
+          <a:bodyPr vert="horz" wrap="square" lIns="91440" tIns="45720" rIns="91440" bIns="45720" numCol="1" anchor="t" anchorCtr="0" compatLnSpc="1">
+            <a:prstTxWarp prst="textNoShape">
+              <a:avLst/>
+            </a:prstTxWarp>
+          </a:bodyPr>
+          <a:lstStyle/>
+          <a:p>
+            <a:endParaRPr lang="en-US"/>
+          </a:p>
+        </p:txBody>
+      </p:sp>
+      <p:sp>
+        <p:nvSpPr>
+          <p:cNvPr id="14" name="Freeform: Shape 13">
+            <a:extLst>
+              <a:ext uri="{FF2B5EF4-FFF2-40B4-BE49-F238E27FC236}">
+                <a16:creationId xmlns:a16="http://schemas.microsoft.com/office/drawing/2014/main" id="{2EC40DB1-B719-4A13-9A4D-0966B4B27866}"/>
+              </a:ext>
+              <a:ext uri="{C183D7F6-B498-43B3-948B-1728B52AA6E4}">
+                <adec:decorative xmlns:adec="http://schemas.microsoft.com/office/drawing/2017/decorative" val="1"/>
+              </a:ext>
+            </a:extLst>
+          </p:cNvPr>
+          <p:cNvSpPr>
+            <a:spLocks noGrp="1" noRot="1" noChangeAspect="1" noMove="1" noResize="1" noEditPoints="1" noAdjustHandles="1" noChangeArrowheads="1" noChangeShapeType="1" noTextEdit="1"/>
+          </p:cNvSpPr>
+          <p:nvPr>
+            <p:extLst>
+              <p:ext uri="{386F3935-93C4-4BCD-93E2-E3B085C9AB24}">
+                <p16:designElem xmlns:p16="http://schemas.microsoft.com/office/powerpoint/2015/main" val="1"/>
+              </p:ext>
+            </p:extLst>
+          </p:nvPr>
+        </p:nvSpPr>
+        <p:spPr>
+          <a:xfrm>
+            <a:off x="634621" y="636723"/>
+            <a:ext cx="4000062" cy="5257799"/>
+          </a:xfrm>
+          <a:custGeom>
+            <a:avLst/>
+            <a:gdLst>
+              <a:gd name="connsiteX0" fmla="*/ 0 w 4634682"/>
+              <a:gd name="connsiteY0" fmla="*/ 0 h 5257799"/>
+              <a:gd name="connsiteX1" fmla="*/ 4634682 w 4634682"/>
+              <a:gd name="connsiteY1" fmla="*/ 0 h 5257799"/>
+              <a:gd name="connsiteX2" fmla="*/ 4634682 w 4634682"/>
+              <a:gd name="connsiteY2" fmla="*/ 5257799 h 5257799"/>
+              <a:gd name="connsiteX3" fmla="*/ 0 w 4634682"/>
+              <a:gd name="connsiteY3" fmla="*/ 5257799 h 5257799"/>
+            </a:gdLst>
+            <a:ahLst/>
+            <a:cxnLst>
+              <a:cxn ang="0">
+                <a:pos x="connsiteX0" y="connsiteY0"/>
+              </a:cxn>
+              <a:cxn ang="0">
+                <a:pos x="connsiteX1" y="connsiteY1"/>
+              </a:cxn>
+              <a:cxn ang="0">
+                <a:pos x="connsiteX2" y="connsiteY2"/>
+              </a:cxn>
+              <a:cxn ang="0">
+                <a:pos x="connsiteX3" y="connsiteY3"/>
+              </a:cxn>
+            </a:cxnLst>
+            <a:rect l="l" t="t" r="r" b="b"/>
+            <a:pathLst>
+              <a:path w="4634682" h="5257799">
+                <a:moveTo>
+                  <a:pt x="0" y="0"/>
+                </a:moveTo>
+                <a:lnTo>
+                  <a:pt x="4634682" y="0"/>
+                </a:lnTo>
+                <a:lnTo>
+                  <a:pt x="4634682" y="5257799"/>
+                </a:lnTo>
+                <a:lnTo>
+                  <a:pt x="0" y="5257799"/>
+                </a:lnTo>
+                <a:close/>
+              </a:path>
+            </a:pathLst>
+          </a:custGeom>
+          <a:solidFill>
+            <a:schemeClr val="accent1">
+              <a:lumMod val="50000"/>
+            </a:schemeClr>
+          </a:solidFill>
+          <a:ln>
+            <a:noFill/>
+          </a:ln>
+        </p:spPr>
+        <p:style>
+          <a:lnRef idx="2">
+            <a:schemeClr val="accent1">
+              <a:shade val="50000"/>
+            </a:schemeClr>
+          </a:lnRef>
+          <a:fillRef idx="1">
+            <a:schemeClr val="accent1"/>
+          </a:fillRef>
+          <a:effectRef idx="0">
+            <a:schemeClr val="accent1"/>
+          </a:effectRef>
+          <a:fontRef idx="minor">
+            <a:schemeClr val="lt1"/>
+          </a:fontRef>
+        </p:style>
+        <p:txBody>
+          <a:bodyPr wrap="square" rtlCol="0" anchor="ctr">
+            <a:noAutofit/>
+          </a:bodyPr>
+          <a:lstStyle/>
+          <a:p>
+            <a:pPr algn="ctr"/>
+            <a:endParaRPr lang="en-US"/>
+          </a:p>
+        </p:txBody>
+      </p:sp>
+      <p:sp>
+        <p:nvSpPr>
+          <p:cNvPr id="2" name="标题 1">
+            <a:extLst>
+              <a:ext uri="{FF2B5EF4-FFF2-40B4-BE49-F238E27FC236}">
+                <a16:creationId xmlns:a16="http://schemas.microsoft.com/office/drawing/2014/main" id="{79CDA3A7-8342-4A7C-8833-E1F6A25FDEB7}"/>
+              </a:ext>
+            </a:extLst>
+          </p:cNvPr>
+          <p:cNvSpPr>
+            <a:spLocks noGrp="1"/>
+          </p:cNvSpPr>
+          <p:nvPr>
+            <p:ph type="title"/>
+          </p:nvPr>
+        </p:nvSpPr>
+        <p:spPr>
+          <a:xfrm>
+            <a:off x="934872" y="982272"/>
+            <a:ext cx="3388419" cy="4560970"/>
+          </a:xfrm>
+        </p:spPr>
+        <p:txBody>
+          <a:bodyPr>
+            <a:normAutofit/>
+          </a:bodyPr>
+          <a:lstStyle/>
+          <a:p>
+            <a:r>
+              <a:rPr lang="en-US" sz="4000" dirty="0">
+                <a:solidFill>
+                  <a:srgbClr val="FFFFFF"/>
+                </a:solidFill>
+              </a:rPr>
+              <a:t>Stack-based Ray-casting</a:t>
+            </a:r>
+          </a:p>
+        </p:txBody>
+      </p:sp>
+      <p:sp>
+        <p:nvSpPr>
+          <p:cNvPr id="16" name="Rectangle 8">
+            <a:extLst>
+              <a:ext uri="{FF2B5EF4-FFF2-40B4-BE49-F238E27FC236}">
+                <a16:creationId xmlns:a16="http://schemas.microsoft.com/office/drawing/2014/main" id="{82211336-CFF3-412D-868A-6679C1004C45}"/>
+              </a:ext>
+              <a:ext uri="{C183D7F6-B498-43B3-948B-1728B52AA6E4}">
+                <adec:decorative xmlns:adec="http://schemas.microsoft.com/office/drawing/2017/decorative" val="1"/>
+              </a:ext>
+            </a:extLst>
+          </p:cNvPr>
+          <p:cNvSpPr>
+            <a:spLocks noGrp="1" noRot="1" noChangeAspect="1" noMove="1" noResize="1" noEditPoints="1" noAdjustHandles="1" noChangeArrowheads="1" noChangeShapeType="1" noTextEdit="1"/>
+          </p:cNvSpPr>
+          <p:nvPr>
+            <p:extLst>
+              <p:ext uri="{386F3935-93C4-4BCD-93E2-E3B085C9AB24}">
+                <p16:designElem xmlns:p16="http://schemas.microsoft.com/office/powerpoint/2015/main" val="1"/>
+              </p:ext>
+            </p:extLst>
+          </p:nvPr>
+        </p:nvSpPr>
+        <p:spPr bwMode="auto">
+          <a:xfrm>
+            <a:off x="4901782" y="1352302"/>
+            <a:ext cx="6655597" cy="5251646"/>
+          </a:xfrm>
+          <a:prstGeom prst="rect">
+            <a:avLst/>
+          </a:prstGeom>
+          <a:solidFill>
+            <a:schemeClr val="accent1"/>
+          </a:solidFill>
+          <a:ln>
+            <a:noFill/>
+          </a:ln>
+        </p:spPr>
+        <p:txBody>
+          <a:bodyPr vert="horz" wrap="square" lIns="91440" tIns="45720" rIns="91440" bIns="45720" numCol="1" anchor="t" anchorCtr="0" compatLnSpc="1">
+            <a:prstTxWarp prst="textNoShape">
+              <a:avLst/>
+            </a:prstTxWarp>
+          </a:bodyPr>
+          <a:lstStyle/>
+          <a:p>
+            <a:endParaRPr lang="en-US"/>
+          </a:p>
+        </p:txBody>
+      </p:sp>
+      <p:sp>
+        <p:nvSpPr>
+          <p:cNvPr id="3" name="内容占位符 2">
+            <a:extLst>
+              <a:ext uri="{FF2B5EF4-FFF2-40B4-BE49-F238E27FC236}">
+                <a16:creationId xmlns:a16="http://schemas.microsoft.com/office/drawing/2014/main" id="{DB01308F-8F7A-41C7-98CB-32625DE132AF}"/>
+              </a:ext>
+            </a:extLst>
+          </p:cNvPr>
+          <p:cNvSpPr>
+            <a:spLocks noGrp="1"/>
+          </p:cNvSpPr>
+          <p:nvPr>
+            <p:ph idx="1"/>
+          </p:nvPr>
+        </p:nvSpPr>
+        <p:spPr>
+          <a:xfrm>
+            <a:off x="5221862" y="1719618"/>
+            <a:ext cx="5948831" cy="4334629"/>
+          </a:xfrm>
+        </p:spPr>
+        <p:txBody>
+          <a:bodyPr anchor="ctr">
+            <a:normAutofit/>
+          </a:bodyPr>
+          <a:lstStyle/>
+          <a:p>
+            <a:pPr marL="0" indent="0">
+              <a:buNone/>
+            </a:pPr>
+            <a:r>
+              <a:rPr lang="en-US" sz="2400" dirty="0">
+                <a:solidFill>
+                  <a:srgbClr val="FEFFFF"/>
+                </a:solidFill>
+              </a:rPr>
+              <a:t>For each </a:t>
+            </a:r>
+            <a:r>
+              <a:rPr lang="en-US" sz="2400" i="1" dirty="0">
+                <a:solidFill>
+                  <a:srgbClr val="FEFFFF"/>
+                </a:solidFill>
+              </a:rPr>
+              <a:t>node</a:t>
+            </a:r>
+          </a:p>
+          <a:p>
+            <a:pPr marL="0" indent="0">
+              <a:buNone/>
+            </a:pPr>
+            <a:r>
+              <a:rPr lang="en-US" sz="2400" i="1" dirty="0">
+                <a:solidFill>
+                  <a:srgbClr val="FEFFFF"/>
+                </a:solidFill>
+              </a:rPr>
+              <a:t>    </a:t>
+            </a:r>
+            <a:r>
+              <a:rPr lang="en-US" sz="2400" dirty="0">
+                <a:solidFill>
+                  <a:srgbClr val="FEFFFF"/>
+                </a:solidFill>
+              </a:rPr>
+              <a:t>if is leaf or </a:t>
+            </a:r>
+            <a:r>
+              <a:rPr lang="en-US" sz="2400" dirty="0" err="1">
+                <a:solidFill>
+                  <a:srgbClr val="FEFFFF"/>
+                </a:solidFill>
+              </a:rPr>
+              <a:t>curLevel</a:t>
+            </a:r>
+            <a:r>
+              <a:rPr lang="en-US" sz="2400" dirty="0">
+                <a:solidFill>
+                  <a:srgbClr val="FEFFFF"/>
+                </a:solidFill>
+              </a:rPr>
+              <a:t> == </a:t>
+            </a:r>
+            <a:r>
+              <a:rPr lang="en-US" sz="2400" dirty="0" err="1">
+                <a:solidFill>
+                  <a:srgbClr val="FEFFFF"/>
+                </a:solidFill>
+              </a:rPr>
+              <a:t>targetLevel</a:t>
+            </a:r>
+            <a:endParaRPr lang="en-US" sz="2400" dirty="0">
+              <a:solidFill>
+                <a:srgbClr val="FEFFFF"/>
+              </a:solidFill>
+            </a:endParaRPr>
+          </a:p>
+          <a:p>
+            <a:pPr marL="0" indent="0">
+              <a:buNone/>
+            </a:pPr>
+            <a:r>
+              <a:rPr lang="en-US" sz="2400" dirty="0">
+                <a:solidFill>
+                  <a:srgbClr val="FEFFFF"/>
+                </a:solidFill>
+              </a:rPr>
+              <a:t>        return </a:t>
+            </a:r>
+            <a:r>
+              <a:rPr lang="en-US" sz="2400" i="1" dirty="0" err="1">
+                <a:solidFill>
+                  <a:srgbClr val="FEFFFF"/>
+                </a:solidFill>
+              </a:rPr>
+              <a:t>node.voxel</a:t>
+            </a:r>
+            <a:endParaRPr lang="en-US" sz="2400" i="1" dirty="0">
+              <a:solidFill>
+                <a:srgbClr val="FEFFFF"/>
+              </a:solidFill>
+            </a:endParaRPr>
+          </a:p>
+          <a:p>
+            <a:pPr marL="0" indent="0">
+              <a:buNone/>
+            </a:pPr>
+            <a:r>
+              <a:rPr lang="en-US" sz="2400" dirty="0">
+                <a:solidFill>
+                  <a:srgbClr val="FEFFFF"/>
+                </a:solidFill>
+              </a:rPr>
+              <a:t>    else</a:t>
+            </a:r>
+          </a:p>
+          <a:p>
+            <a:pPr marL="0" indent="0">
+              <a:buNone/>
+            </a:pPr>
+            <a:r>
+              <a:rPr lang="en-US" sz="2400" dirty="0">
+                <a:solidFill>
+                  <a:srgbClr val="FEFFFF"/>
+                </a:solidFill>
+              </a:rPr>
+              <a:t>        sort child nodes along the ray </a:t>
+            </a:r>
+            <a:r>
+              <a:rPr lang="en-US" sz="2400" dirty="0" err="1">
+                <a:solidFill>
+                  <a:srgbClr val="FEFFFF"/>
+                </a:solidFill>
+              </a:rPr>
+              <a:t>dir</a:t>
+            </a:r>
+            <a:endParaRPr lang="en-US" sz="2400" dirty="0">
+              <a:solidFill>
+                <a:srgbClr val="FEFFFF"/>
+              </a:solidFill>
+            </a:endParaRPr>
+          </a:p>
+          <a:p>
+            <a:pPr marL="0" indent="0">
+              <a:buNone/>
+            </a:pPr>
+            <a:r>
+              <a:rPr lang="en-US" sz="2400" dirty="0">
+                <a:solidFill>
+                  <a:srgbClr val="FEFFFF"/>
+                </a:solidFill>
+              </a:rPr>
+              <a:t>        traverse nearest child nodes</a:t>
+            </a:r>
+          </a:p>
+        </p:txBody>
+      </p:sp>
+    </p:spTree>
+    <p:extLst>
+      <p:ext uri="{BB962C8B-B14F-4D97-AF65-F5344CB8AC3E}">
+        <p14:creationId xmlns:p14="http://schemas.microsoft.com/office/powerpoint/2010/main" val="3278488702"/>
+      </p:ext>
+    </p:extLst>
+  </p:cSld>
+  <p:clrMapOvr>
+    <a:masterClrMapping/>
+  </p:clrMapOvr>
+</p:sld>
+</file>
+
+<file path=ppt/slides/slide5.xml><?xml version="1.0" encoding="utf-8"?>
+<p:sld xmlns:a="http://schemas.openxmlformats.org/drawingml/2006/main" xmlns:r="http://schemas.openxmlformats.org/officeDocument/2006/relationships" xmlns:p="http://schemas.openxmlformats.org/presentationml/2006/main">
+  <p:cSld>
+    <p:bg>
+      <p:bgPr>
+        <a:solidFill>
+          <a:schemeClr val="bg1"/>
+        </a:solidFill>
+        <a:effectLst/>
+      </p:bgPr>
+    </p:bg>
+    <p:spTree>
+      <p:nvGrpSpPr>
+        <p:cNvPr id="1" name=""/>
+        <p:cNvGrpSpPr/>
+        <p:nvPr/>
+      </p:nvGrpSpPr>
+      <p:grpSpPr>
+        <a:xfrm>
+          <a:off x="0" y="0"/>
+          <a:ext cx="0" cy="0"/>
+          <a:chOff x="0" y="0"/>
+          <a:chExt cx="0" cy="0"/>
+        </a:xfrm>
+      </p:grpSpPr>
       <p:sp>
         <p:nvSpPr>
           <p:cNvPr id="8" name="Rectangle 7">
@@ -5478,8 +6155,8 @@
           </a:p>
         </p:txBody>
       </p:sp>
-      <mc:AlternateContent xmlns:mc="http://schemas.openxmlformats.org/markup-compatibility/2006">
-        <mc:Choice xmlns:a14="http://schemas.microsoft.com/office/drawing/2010/main" Requires="a14">
+      <mc:AlternateContent xmlns:mc="http://schemas.openxmlformats.org/markup-compatibility/2006" xmlns:a14="http://schemas.microsoft.com/office/drawing/2010/main">
+        <mc:Choice Requires="a14">
           <p:graphicFrame>
             <p:nvGraphicFramePr>
               <p:cNvPr id="9" name="表格 10">
@@ -5891,7 +6568,7 @@
             </a:graphic>
           </p:graphicFrame>
         </mc:Choice>
-        <mc:Fallback>
+        <mc:Fallback xmlns="">
           <p:graphicFrame>
             <p:nvGraphicFramePr>
               <p:cNvPr id="9" name="表格 10">
@@ -6274,15 +6951,15 @@
           <a:p>
             <a:r>
               <a:rPr lang="en-US" dirty="0"/>
-              <a:t>Ray-casting performance : </a:t>
-            </a:r>
-            <a:r>
-              <a:rPr lang="en-US"/>
-              <a:t>around 7 </a:t>
+              <a:t>Ray-casting performance : around </a:t>
+            </a:r>
+            <a:r>
+              <a:rPr lang="en-US" altLang="zh-CN" dirty="0"/>
+              <a:t>6</a:t>
             </a:r>
             <a:r>
               <a:rPr lang="en-US" dirty="0"/>
-              <a:t>times faster</a:t>
+              <a:t> times faster</a:t>
             </a:r>
           </a:p>
           <a:p>
